--- a/media/NI-GEN-7.pptx
+++ b/media/NI-GEN-7.pptx
@@ -273,7 +273,7 @@
           <a:p>
             <a:fld id="{30F61A09-C243-4AF9-8E89-AFF8EF129A8C}" type="datetimeFigureOut">
               <a:rPr lang="en-GB" smtClean="0"/>
-              <a:t>29/03/2021</a:t>
+              <a:t>04/04/2022</a:t>
             </a:fld>
             <a:endParaRPr lang="en-GB"/>
           </a:p>
@@ -1551,7 +1551,7 @@
           <a:p>
             <a:fld id="{3167A54B-BC64-4F06-9E03-64B6A67018EB}" type="datetimeFigureOut">
               <a:rPr lang="en-GB" smtClean="0"/>
-              <a:t>29/03/2021</a:t>
+              <a:t>04/04/2022</a:t>
             </a:fld>
             <a:endParaRPr lang="en-GB"/>
           </a:p>
@@ -1751,7 +1751,7 @@
           <a:p>
             <a:fld id="{3167A54B-BC64-4F06-9E03-64B6A67018EB}" type="datetimeFigureOut">
               <a:rPr lang="en-GB" smtClean="0"/>
-              <a:t>29/03/2021</a:t>
+              <a:t>04/04/2022</a:t>
             </a:fld>
             <a:endParaRPr lang="en-GB"/>
           </a:p>
@@ -1961,7 +1961,7 @@
           <a:p>
             <a:fld id="{3167A54B-BC64-4F06-9E03-64B6A67018EB}" type="datetimeFigureOut">
               <a:rPr lang="en-GB" smtClean="0"/>
-              <a:t>29/03/2021</a:t>
+              <a:t>04/04/2022</a:t>
             </a:fld>
             <a:endParaRPr lang="en-GB"/>
           </a:p>
@@ -2165,7 +2165,7 @@
           <a:p>
             <a:fld id="{3167A54B-BC64-4F06-9E03-64B6A67018EB}" type="datetimeFigureOut">
               <a:rPr lang="en-GB" smtClean="0"/>
-              <a:t>29/03/2021</a:t>
+              <a:t>04/04/2022</a:t>
             </a:fld>
             <a:endParaRPr lang="en-GB"/>
           </a:p>
@@ -2441,7 +2441,7 @@
           <a:p>
             <a:fld id="{3167A54B-BC64-4F06-9E03-64B6A67018EB}" type="datetimeFigureOut">
               <a:rPr lang="en-GB" smtClean="0"/>
-              <a:t>29/03/2021</a:t>
+              <a:t>04/04/2022</a:t>
             </a:fld>
             <a:endParaRPr lang="en-GB"/>
           </a:p>
@@ -2709,7 +2709,7 @@
           <a:p>
             <a:fld id="{3167A54B-BC64-4F06-9E03-64B6A67018EB}" type="datetimeFigureOut">
               <a:rPr lang="en-GB" smtClean="0"/>
-              <a:t>29/03/2021</a:t>
+              <a:t>04/04/2022</a:t>
             </a:fld>
             <a:endParaRPr lang="en-GB"/>
           </a:p>
@@ -3124,7 +3124,7 @@
           <a:p>
             <a:fld id="{3167A54B-BC64-4F06-9E03-64B6A67018EB}" type="datetimeFigureOut">
               <a:rPr lang="en-GB" smtClean="0"/>
-              <a:t>29/03/2021</a:t>
+              <a:t>04/04/2022</a:t>
             </a:fld>
             <a:endParaRPr lang="en-GB"/>
           </a:p>
@@ -3266,7 +3266,7 @@
           <a:p>
             <a:fld id="{3167A54B-BC64-4F06-9E03-64B6A67018EB}" type="datetimeFigureOut">
               <a:rPr lang="en-GB" smtClean="0"/>
-              <a:t>29/03/2021</a:t>
+              <a:t>04/04/2022</a:t>
             </a:fld>
             <a:endParaRPr lang="en-GB"/>
           </a:p>
@@ -3379,7 +3379,7 @@
           <a:p>
             <a:fld id="{3167A54B-BC64-4F06-9E03-64B6A67018EB}" type="datetimeFigureOut">
               <a:rPr lang="en-GB" smtClean="0"/>
-              <a:t>29/03/2021</a:t>
+              <a:t>04/04/2022</a:t>
             </a:fld>
             <a:endParaRPr lang="en-GB"/>
           </a:p>
@@ -3692,7 +3692,7 @@
           <a:p>
             <a:fld id="{3167A54B-BC64-4F06-9E03-64B6A67018EB}" type="datetimeFigureOut">
               <a:rPr lang="en-GB" smtClean="0"/>
-              <a:t>29/03/2021</a:t>
+              <a:t>04/04/2022</a:t>
             </a:fld>
             <a:endParaRPr lang="en-GB"/>
           </a:p>
@@ -3981,7 +3981,7 @@
           <a:p>
             <a:fld id="{3167A54B-BC64-4F06-9E03-64B6A67018EB}" type="datetimeFigureOut">
               <a:rPr lang="en-GB" smtClean="0"/>
-              <a:t>29/03/2021</a:t>
+              <a:t>04/04/2022</a:t>
             </a:fld>
             <a:endParaRPr lang="en-GB"/>
           </a:p>
@@ -4224,7 +4224,7 @@
           <a:p>
             <a:fld id="{3167A54B-BC64-4F06-9E03-64B6A67018EB}" type="datetimeFigureOut">
               <a:rPr lang="en-GB" smtClean="0"/>
-              <a:t>29/03/2021</a:t>
+              <a:t>04/04/2022</a:t>
             </a:fld>
             <a:endParaRPr lang="en-GB"/>
           </a:p>
@@ -10645,14 +10645,14 @@
   <p:clrMapOvr>
     <a:masterClrMapping/>
   </p:clrMapOvr>
-  <mc:AlternateContent xmlns:mc="http://schemas.openxmlformats.org/markup-compatibility/2006" xmlns:p159="http://schemas.microsoft.com/office/powerpoint/2015/09/main">
-    <mc:Choice Requires="p159">
-      <p:transition xmlns:p14="http://schemas.microsoft.com/office/powerpoint/2010/main" spd="slow" p14:dur="2000">
-        <p159:morph option="byWord"/>
+  <mc:AlternateContent xmlns:mc="http://schemas.openxmlformats.org/markup-compatibility/2006">
+    <mc:Choice xmlns:p14="http://schemas.microsoft.com/office/powerpoint/2010/main" Requires="p14">
+      <p:transition spd="med" p14:dur="700">
+        <p:fade/>
       </p:transition>
     </mc:Choice>
-    <mc:Fallback xmlns="">
-      <p:transition spd="slow">
+    <mc:Fallback>
+      <p:transition spd="med">
         <p:fade/>
       </p:transition>
     </mc:Fallback>
@@ -15303,128 +15303,6 @@
       </p:transition>
     </mc:Fallback>
   </mc:AlternateContent>
-  <p:timing>
-    <p:tnLst>
-      <p:par>
-        <p:cTn id="1" dur="indefinite" restart="never" nodeType="tmRoot">
-          <p:childTnLst>
-            <p:seq concurrent="1" nextAc="seek">
-              <p:cTn id="2" dur="indefinite" nodeType="mainSeq">
-                <p:childTnLst>
-                  <p:par>
-                    <p:cTn id="3" fill="hold">
-                      <p:stCondLst>
-                        <p:cond delay="indefinite"/>
-                      </p:stCondLst>
-                      <p:childTnLst>
-                        <p:par>
-                          <p:cTn id="4" fill="hold">
-                            <p:stCondLst>
-                              <p:cond delay="0"/>
-                            </p:stCondLst>
-                            <p:childTnLst>
-                              <p:par>
-                                <p:cTn id="5" presetID="10" presetClass="entr" presetSubtype="0" fill="hold" grpId="0" nodeType="clickEffect">
-                                  <p:stCondLst>
-                                    <p:cond delay="0"/>
-                                  </p:stCondLst>
-                                  <p:childTnLst>
-                                    <p:set>
-                                      <p:cBhvr>
-                                        <p:cTn id="6" dur="1" fill="hold">
-                                          <p:stCondLst>
-                                            <p:cond delay="0"/>
-                                          </p:stCondLst>
-                                        </p:cTn>
-                                        <p:tgtEl>
-                                          <p:spTgt spid="2"/>
-                                        </p:tgtEl>
-                                        <p:attrNameLst>
-                                          <p:attrName>style.visibility</p:attrName>
-                                        </p:attrNameLst>
-                                      </p:cBhvr>
-                                      <p:to>
-                                        <p:strVal val="visible"/>
-                                      </p:to>
-                                    </p:set>
-                                    <p:animEffect transition="in" filter="fade">
-                                      <p:cBhvr>
-                                        <p:cTn id="7" dur="500"/>
-                                        <p:tgtEl>
-                                          <p:spTgt spid="2"/>
-                                        </p:tgtEl>
-                                      </p:cBhvr>
-                                    </p:animEffect>
-                                  </p:childTnLst>
-                                </p:cTn>
-                              </p:par>
-                              <p:par>
-                                <p:cTn id="8" presetID="10" presetClass="entr" presetSubtype="0" fill="hold" grpId="0" nodeType="withEffect">
-                                  <p:stCondLst>
-                                    <p:cond delay="0"/>
-                                  </p:stCondLst>
-                                  <p:childTnLst>
-                                    <p:set>
-                                      <p:cBhvr>
-                                        <p:cTn id="9" dur="1" fill="hold">
-                                          <p:stCondLst>
-                                            <p:cond delay="0"/>
-                                          </p:stCondLst>
-                                        </p:cTn>
-                                        <p:tgtEl>
-                                          <p:spTgt spid="7"/>
-                                        </p:tgtEl>
-                                        <p:attrNameLst>
-                                          <p:attrName>style.visibility</p:attrName>
-                                        </p:attrNameLst>
-                                      </p:cBhvr>
-                                      <p:to>
-                                        <p:strVal val="visible"/>
-                                      </p:to>
-                                    </p:set>
-                                    <p:animEffect transition="in" filter="fade">
-                                      <p:cBhvr>
-                                        <p:cTn id="10" dur="500"/>
-                                        <p:tgtEl>
-                                          <p:spTgt spid="7"/>
-                                        </p:tgtEl>
-                                      </p:cBhvr>
-                                    </p:animEffect>
-                                  </p:childTnLst>
-                                </p:cTn>
-                              </p:par>
-                            </p:childTnLst>
-                          </p:cTn>
-                        </p:par>
-                      </p:childTnLst>
-                    </p:cTn>
-                  </p:par>
-                </p:childTnLst>
-              </p:cTn>
-              <p:prevCondLst>
-                <p:cond evt="onPrev" delay="0">
-                  <p:tgtEl>
-                    <p:sldTgt/>
-                  </p:tgtEl>
-                </p:cond>
-              </p:prevCondLst>
-              <p:nextCondLst>
-                <p:cond evt="onNext" delay="0">
-                  <p:tgtEl>
-                    <p:sldTgt/>
-                  </p:tgtEl>
-                </p:cond>
-              </p:nextCondLst>
-            </p:seq>
-          </p:childTnLst>
-        </p:cTn>
-      </p:par>
-    </p:tnLst>
-    <p:bldLst>
-      <p:bldP spid="2" grpId="0" animBg="1"/>
-      <p:bldP spid="7" grpId="0"/>
-    </p:bldLst>
-  </p:timing>
 </p:sld>
 </file>
 
@@ -27700,7 +27578,7 @@
           <a:p>
             <a:r>
               <a:rPr lang="en-US" dirty="0"/>
-              <a:t>to simplify, assume at most subtrees per node</a:t>
+              <a:t>to simplify, assume at most 2 subtrees per node</a:t>
             </a:r>
           </a:p>
           <a:p>

--- a/media/NI-GEN-7.pptx
+++ b/media/NI-GEN-7.pptx
@@ -273,7 +273,7 @@
           <a:p>
             <a:fld id="{30F61A09-C243-4AF9-8E89-AFF8EF129A8C}" type="datetimeFigureOut">
               <a:rPr lang="en-GB" smtClean="0"/>
-              <a:t>04/04/2022</a:t>
+              <a:t>17/04/2023</a:t>
             </a:fld>
             <a:endParaRPr lang="en-GB"/>
           </a:p>
@@ -1551,7 +1551,7 @@
           <a:p>
             <a:fld id="{3167A54B-BC64-4F06-9E03-64B6A67018EB}" type="datetimeFigureOut">
               <a:rPr lang="en-GB" smtClean="0"/>
-              <a:t>04/04/2022</a:t>
+              <a:t>17/04/2023</a:t>
             </a:fld>
             <a:endParaRPr lang="en-GB"/>
           </a:p>
@@ -1751,7 +1751,7 @@
           <a:p>
             <a:fld id="{3167A54B-BC64-4F06-9E03-64B6A67018EB}" type="datetimeFigureOut">
               <a:rPr lang="en-GB" smtClean="0"/>
-              <a:t>04/04/2022</a:t>
+              <a:t>17/04/2023</a:t>
             </a:fld>
             <a:endParaRPr lang="en-GB"/>
           </a:p>
@@ -1961,7 +1961,7 @@
           <a:p>
             <a:fld id="{3167A54B-BC64-4F06-9E03-64B6A67018EB}" type="datetimeFigureOut">
               <a:rPr lang="en-GB" smtClean="0"/>
-              <a:t>04/04/2022</a:t>
+              <a:t>17/04/2023</a:t>
             </a:fld>
             <a:endParaRPr lang="en-GB"/>
           </a:p>
@@ -2165,7 +2165,7 @@
           <a:p>
             <a:fld id="{3167A54B-BC64-4F06-9E03-64B6A67018EB}" type="datetimeFigureOut">
               <a:rPr lang="en-GB" smtClean="0"/>
-              <a:t>04/04/2022</a:t>
+              <a:t>17/04/2023</a:t>
             </a:fld>
             <a:endParaRPr lang="en-GB"/>
           </a:p>
@@ -2441,7 +2441,7 @@
           <a:p>
             <a:fld id="{3167A54B-BC64-4F06-9E03-64B6A67018EB}" type="datetimeFigureOut">
               <a:rPr lang="en-GB" smtClean="0"/>
-              <a:t>04/04/2022</a:t>
+              <a:t>17/04/2023</a:t>
             </a:fld>
             <a:endParaRPr lang="en-GB"/>
           </a:p>
@@ -2709,7 +2709,7 @@
           <a:p>
             <a:fld id="{3167A54B-BC64-4F06-9E03-64B6A67018EB}" type="datetimeFigureOut">
               <a:rPr lang="en-GB" smtClean="0"/>
-              <a:t>04/04/2022</a:t>
+              <a:t>17/04/2023</a:t>
             </a:fld>
             <a:endParaRPr lang="en-GB"/>
           </a:p>
@@ -3124,7 +3124,7 @@
           <a:p>
             <a:fld id="{3167A54B-BC64-4F06-9E03-64B6A67018EB}" type="datetimeFigureOut">
               <a:rPr lang="en-GB" smtClean="0"/>
-              <a:t>04/04/2022</a:t>
+              <a:t>17/04/2023</a:t>
             </a:fld>
             <a:endParaRPr lang="en-GB"/>
           </a:p>
@@ -3266,7 +3266,7 @@
           <a:p>
             <a:fld id="{3167A54B-BC64-4F06-9E03-64B6A67018EB}" type="datetimeFigureOut">
               <a:rPr lang="en-GB" smtClean="0"/>
-              <a:t>04/04/2022</a:t>
+              <a:t>17/04/2023</a:t>
             </a:fld>
             <a:endParaRPr lang="en-GB"/>
           </a:p>
@@ -3379,7 +3379,7 @@
           <a:p>
             <a:fld id="{3167A54B-BC64-4F06-9E03-64B6A67018EB}" type="datetimeFigureOut">
               <a:rPr lang="en-GB" smtClean="0"/>
-              <a:t>04/04/2022</a:t>
+              <a:t>17/04/2023</a:t>
             </a:fld>
             <a:endParaRPr lang="en-GB"/>
           </a:p>
@@ -3692,7 +3692,7 @@
           <a:p>
             <a:fld id="{3167A54B-BC64-4F06-9E03-64B6A67018EB}" type="datetimeFigureOut">
               <a:rPr lang="en-GB" smtClean="0"/>
-              <a:t>04/04/2022</a:t>
+              <a:t>17/04/2023</a:t>
             </a:fld>
             <a:endParaRPr lang="en-GB"/>
           </a:p>
@@ -3981,7 +3981,7 @@
           <a:p>
             <a:fld id="{3167A54B-BC64-4F06-9E03-64B6A67018EB}" type="datetimeFigureOut">
               <a:rPr lang="en-GB" smtClean="0"/>
-              <a:t>04/04/2022</a:t>
+              <a:t>17/04/2023</a:t>
             </a:fld>
             <a:endParaRPr lang="en-GB"/>
           </a:p>
@@ -4224,7 +4224,7 @@
           <a:p>
             <a:fld id="{3167A54B-BC64-4F06-9E03-64B6A67018EB}" type="datetimeFigureOut">
               <a:rPr lang="en-GB" smtClean="0"/>
-              <a:t>04/04/2022</a:t>
+              <a:t>17/04/2023</a:t>
             </a:fld>
             <a:endParaRPr lang="en-GB"/>
           </a:p>
@@ -10645,13 +10645,13 @@
   <p:clrMapOvr>
     <a:masterClrMapping/>
   </p:clrMapOvr>
-  <mc:AlternateContent xmlns:mc="http://schemas.openxmlformats.org/markup-compatibility/2006">
-    <mc:Choice xmlns:p14="http://schemas.microsoft.com/office/powerpoint/2010/main" Requires="p14">
+  <mc:AlternateContent xmlns:mc="http://schemas.openxmlformats.org/markup-compatibility/2006" xmlns:p14="http://schemas.microsoft.com/office/powerpoint/2010/main">
+    <mc:Choice Requires="p14">
       <p:transition spd="med" p14:dur="700">
         <p:fade/>
       </p:transition>
     </mc:Choice>
-    <mc:Fallback>
+    <mc:Fallback xmlns="">
       <p:transition spd="med">
         <p:fade/>
       </p:transition>
@@ -27853,7 +27853,7 @@
           <a:p>
             <a:r>
               <a:rPr lang="en-US" dirty="0"/>
-              <a:t>to simplify, assume at most subtrees per node</a:t>
+              <a:t>to simplify, assume at most 2 subtrees per node</a:t>
             </a:r>
           </a:p>
           <a:p>
@@ -28157,7 +28157,7 @@
           <a:p>
             <a:r>
               <a:rPr lang="en-US" dirty="0"/>
-              <a:t>to simplify, assume at most subtrees per node</a:t>
+              <a:t>to simplify, assume at most 2 subtrees per node</a:t>
             </a:r>
           </a:p>
           <a:p>
